--- a/midRepo.pptx
+++ b/midRepo.pptx
@@ -220,7 +220,7 @@
           <a:p>
             <a:fld id="{0F9B84EA-7D68-4D60-9CB1-D50884785D1C}" type="datetimeFigureOut">
               <a:rPr lang="zh-CN" altLang="en-US" smtClean="0"/>
-              <a:t>2024/5/21</a:t>
+              <a:t>2024/5/22</a:t>
             </a:fld>
             <a:endParaRPr lang="zh-CN" altLang="en-US"/>
           </a:p>
@@ -385,7 +385,7 @@
           <a:p>
             <a:fld id="{D2A48B96-639E-45A3-A0BA-2464DFDB1FAA}" type="datetimeFigureOut">
               <a:rPr lang="zh-CN" altLang="en-US" smtClean="0"/>
-              <a:t>2024/5/21</a:t>
+              <a:t>2024/5/22</a:t>
             </a:fld>
             <a:endParaRPr lang="zh-CN" altLang="en-US"/>
           </a:p>
@@ -1733,7 +1733,7 @@
           <a:p>
             <a:fld id="{D997B5FA-0921-464F-AAE1-844C04324D75}" type="datetimeFigureOut">
               <a:rPr lang="zh-CN" altLang="en-US" smtClean="0"/>
-              <a:t>2024/5/21</a:t>
+              <a:t>2024/5/22</a:t>
             </a:fld>
             <a:endParaRPr lang="zh-CN" altLang="en-US"/>
           </a:p>
@@ -1896,7 +1896,7 @@
           <a:p>
             <a:fld id="{D997B5FA-0921-464F-AAE1-844C04324D75}" type="datetimeFigureOut">
               <a:rPr lang="zh-CN" altLang="en-US" smtClean="0"/>
-              <a:t>2024/5/21</a:t>
+              <a:t>2024/5/22</a:t>
             </a:fld>
             <a:endParaRPr lang="zh-CN" altLang="en-US"/>
           </a:p>
@@ -2069,7 +2069,7 @@
           <a:p>
             <a:fld id="{D997B5FA-0921-464F-AAE1-844C04324D75}" type="datetimeFigureOut">
               <a:rPr lang="zh-CN" altLang="en-US" smtClean="0"/>
-              <a:t>2024/5/21</a:t>
+              <a:t>2024/5/22</a:t>
             </a:fld>
             <a:endParaRPr lang="zh-CN" altLang="en-US"/>
           </a:p>
@@ -2254,7 +2254,7 @@
           <a:p>
             <a:fld id="{A65D00E9-157A-4A61-BFCD-9C38DE4BB4A6}" type="datetimeFigureOut">
               <a:rPr lang="zh-CN" altLang="en-US" smtClean="0"/>
-              <a:t>2024/5/21</a:t>
+              <a:t>2024/5/22</a:t>
             </a:fld>
             <a:endParaRPr lang="zh-CN" altLang="en-US"/>
           </a:p>
@@ -2417,7 +2417,7 @@
           <a:p>
             <a:fld id="{A65D00E9-157A-4A61-BFCD-9C38DE4BB4A6}" type="datetimeFigureOut">
               <a:rPr lang="zh-CN" altLang="en-US" smtClean="0"/>
-              <a:t>2024/5/21</a:t>
+              <a:t>2024/5/22</a:t>
             </a:fld>
             <a:endParaRPr lang="zh-CN" altLang="en-US"/>
           </a:p>
@@ -2657,7 +2657,7 @@
           <a:p>
             <a:fld id="{A65D00E9-157A-4A61-BFCD-9C38DE4BB4A6}" type="datetimeFigureOut">
               <a:rPr lang="zh-CN" altLang="en-US" smtClean="0"/>
-              <a:t>2024/5/21</a:t>
+              <a:t>2024/5/22</a:t>
             </a:fld>
             <a:endParaRPr lang="zh-CN" altLang="en-US"/>
           </a:p>
@@ -2881,7 +2881,7 @@
           <a:p>
             <a:fld id="{A65D00E9-157A-4A61-BFCD-9C38DE4BB4A6}" type="datetimeFigureOut">
               <a:rPr lang="zh-CN" altLang="en-US" smtClean="0"/>
-              <a:t>2024/5/21</a:t>
+              <a:t>2024/5/22</a:t>
             </a:fld>
             <a:endParaRPr lang="zh-CN" altLang="en-US"/>
           </a:p>
@@ -3240,7 +3240,7 @@
           <a:p>
             <a:fld id="{A65D00E9-157A-4A61-BFCD-9C38DE4BB4A6}" type="datetimeFigureOut">
               <a:rPr lang="zh-CN" altLang="en-US" smtClean="0"/>
-              <a:t>2024/5/21</a:t>
+              <a:t>2024/5/22</a:t>
             </a:fld>
             <a:endParaRPr lang="zh-CN" altLang="en-US"/>
           </a:p>
@@ -3352,7 +3352,7 @@
           <a:p>
             <a:fld id="{A65D00E9-157A-4A61-BFCD-9C38DE4BB4A6}" type="datetimeFigureOut">
               <a:rPr lang="zh-CN" altLang="en-US" smtClean="0"/>
-              <a:t>2024/5/21</a:t>
+              <a:t>2024/5/22</a:t>
             </a:fld>
             <a:endParaRPr lang="zh-CN" altLang="en-US"/>
           </a:p>
@@ -3442,7 +3442,7 @@
           <a:p>
             <a:fld id="{A65D00E9-157A-4A61-BFCD-9C38DE4BB4A6}" type="datetimeFigureOut">
               <a:rPr lang="zh-CN" altLang="en-US" smtClean="0"/>
-              <a:t>2024/5/21</a:t>
+              <a:t>2024/5/22</a:t>
             </a:fld>
             <a:endParaRPr lang="zh-CN" altLang="en-US"/>
           </a:p>
@@ -3712,7 +3712,7 @@
           <a:p>
             <a:fld id="{A65D00E9-157A-4A61-BFCD-9C38DE4BB4A6}" type="datetimeFigureOut">
               <a:rPr lang="zh-CN" altLang="en-US" smtClean="0"/>
-              <a:t>2024/5/21</a:t>
+              <a:t>2024/5/22</a:t>
             </a:fld>
             <a:endParaRPr lang="zh-CN" altLang="en-US"/>
           </a:p>
@@ -3875,7 +3875,7 @@
           <a:p>
             <a:fld id="{D997B5FA-0921-464F-AAE1-844C04324D75}" type="datetimeFigureOut">
               <a:rPr lang="zh-CN" altLang="en-US" smtClean="0"/>
-              <a:t>2024/5/21</a:t>
+              <a:t>2024/5/22</a:t>
             </a:fld>
             <a:endParaRPr lang="zh-CN" altLang="en-US"/>
           </a:p>
@@ -4122,7 +4122,7 @@
           <a:p>
             <a:fld id="{A65D00E9-157A-4A61-BFCD-9C38DE4BB4A6}" type="datetimeFigureOut">
               <a:rPr lang="zh-CN" altLang="en-US" smtClean="0"/>
-              <a:t>2024/5/21</a:t>
+              <a:t>2024/5/22</a:t>
             </a:fld>
             <a:endParaRPr lang="zh-CN" altLang="en-US"/>
           </a:p>
@@ -4285,7 +4285,7 @@
           <a:p>
             <a:fld id="{A65D00E9-157A-4A61-BFCD-9C38DE4BB4A6}" type="datetimeFigureOut">
               <a:rPr lang="zh-CN" altLang="en-US" smtClean="0"/>
-              <a:t>2024/5/21</a:t>
+              <a:t>2024/5/22</a:t>
             </a:fld>
             <a:endParaRPr lang="zh-CN" altLang="en-US"/>
           </a:p>
@@ -4458,7 +4458,7 @@
           <a:p>
             <a:fld id="{A65D00E9-157A-4A61-BFCD-9C38DE4BB4A6}" type="datetimeFigureOut">
               <a:rPr lang="zh-CN" altLang="en-US" smtClean="0"/>
-              <a:t>2024/5/21</a:t>
+              <a:t>2024/5/22</a:t>
             </a:fld>
             <a:endParaRPr lang="zh-CN" altLang="en-US"/>
           </a:p>
@@ -4643,7 +4643,7 @@
           <a:p>
             <a:fld id="{B3B5A39F-3B31-4031-BD86-5074D61E1D63}" type="datetimeFigureOut">
               <a:rPr lang="zh-CN" altLang="en-US" smtClean="0"/>
-              <a:t>2024/5/21</a:t>
+              <a:t>2024/5/22</a:t>
             </a:fld>
             <a:endParaRPr lang="zh-CN" altLang="en-US"/>
           </a:p>
@@ -4806,7 +4806,7 @@
           <a:p>
             <a:fld id="{B3B5A39F-3B31-4031-BD86-5074D61E1D63}" type="datetimeFigureOut">
               <a:rPr lang="zh-CN" altLang="en-US" smtClean="0"/>
-              <a:t>2024/5/21</a:t>
+              <a:t>2024/5/22</a:t>
             </a:fld>
             <a:endParaRPr lang="zh-CN" altLang="en-US"/>
           </a:p>
@@ -5046,7 +5046,7 @@
           <a:p>
             <a:fld id="{B3B5A39F-3B31-4031-BD86-5074D61E1D63}" type="datetimeFigureOut">
               <a:rPr lang="zh-CN" altLang="en-US" smtClean="0"/>
-              <a:t>2024/5/21</a:t>
+              <a:t>2024/5/22</a:t>
             </a:fld>
             <a:endParaRPr lang="zh-CN" altLang="en-US"/>
           </a:p>
@@ -5270,7 +5270,7 @@
           <a:p>
             <a:fld id="{B3B5A39F-3B31-4031-BD86-5074D61E1D63}" type="datetimeFigureOut">
               <a:rPr lang="zh-CN" altLang="en-US" smtClean="0"/>
-              <a:t>2024/5/21</a:t>
+              <a:t>2024/5/22</a:t>
             </a:fld>
             <a:endParaRPr lang="zh-CN" altLang="en-US"/>
           </a:p>
@@ -5629,7 +5629,7 @@
           <a:p>
             <a:fld id="{B3B5A39F-3B31-4031-BD86-5074D61E1D63}" type="datetimeFigureOut">
               <a:rPr lang="zh-CN" altLang="en-US" smtClean="0"/>
-              <a:t>2024/5/21</a:t>
+              <a:t>2024/5/22</a:t>
             </a:fld>
             <a:endParaRPr lang="zh-CN" altLang="en-US"/>
           </a:p>
@@ -5741,7 +5741,7 @@
           <a:p>
             <a:fld id="{B3B5A39F-3B31-4031-BD86-5074D61E1D63}" type="datetimeFigureOut">
               <a:rPr lang="zh-CN" altLang="en-US" smtClean="0"/>
-              <a:t>2024/5/21</a:t>
+              <a:t>2024/5/22</a:t>
             </a:fld>
             <a:endParaRPr lang="zh-CN" altLang="en-US"/>
           </a:p>
@@ -5831,7 +5831,7 @@
           <a:p>
             <a:fld id="{B3B5A39F-3B31-4031-BD86-5074D61E1D63}" type="datetimeFigureOut">
               <a:rPr lang="zh-CN" altLang="en-US" smtClean="0"/>
-              <a:t>2024/5/21</a:t>
+              <a:t>2024/5/22</a:t>
             </a:fld>
             <a:endParaRPr lang="zh-CN" altLang="en-US"/>
           </a:p>
@@ -6071,7 +6071,7 @@
           <a:p>
             <a:fld id="{D997B5FA-0921-464F-AAE1-844C04324D75}" type="datetimeFigureOut">
               <a:rPr lang="zh-CN" altLang="en-US" smtClean="0"/>
-              <a:t>2024/5/21</a:t>
+              <a:t>2024/5/22</a:t>
             </a:fld>
             <a:endParaRPr lang="zh-CN" altLang="en-US"/>
           </a:p>
@@ -6341,7 +6341,7 @@
           <a:p>
             <a:fld id="{B3B5A39F-3B31-4031-BD86-5074D61E1D63}" type="datetimeFigureOut">
               <a:rPr lang="zh-CN" altLang="en-US" smtClean="0"/>
-              <a:t>2024/5/21</a:t>
+              <a:t>2024/5/22</a:t>
             </a:fld>
             <a:endParaRPr lang="zh-CN" altLang="en-US"/>
           </a:p>
@@ -6588,7 +6588,7 @@
           <a:p>
             <a:fld id="{B3B5A39F-3B31-4031-BD86-5074D61E1D63}" type="datetimeFigureOut">
               <a:rPr lang="zh-CN" altLang="en-US" smtClean="0"/>
-              <a:t>2024/5/21</a:t>
+              <a:t>2024/5/22</a:t>
             </a:fld>
             <a:endParaRPr lang="zh-CN" altLang="en-US"/>
           </a:p>
@@ -6751,7 +6751,7 @@
           <a:p>
             <a:fld id="{B3B5A39F-3B31-4031-BD86-5074D61E1D63}" type="datetimeFigureOut">
               <a:rPr lang="zh-CN" altLang="en-US" smtClean="0"/>
-              <a:t>2024/5/21</a:t>
+              <a:t>2024/5/22</a:t>
             </a:fld>
             <a:endParaRPr lang="zh-CN" altLang="en-US"/>
           </a:p>
@@ -6924,7 +6924,7 @@
           <a:p>
             <a:fld id="{B3B5A39F-3B31-4031-BD86-5074D61E1D63}" type="datetimeFigureOut">
               <a:rPr lang="zh-CN" altLang="en-US" smtClean="0"/>
-              <a:t>2024/5/21</a:t>
+              <a:t>2024/5/22</a:t>
             </a:fld>
             <a:endParaRPr lang="zh-CN" altLang="en-US"/>
           </a:p>
@@ -7148,7 +7148,7 @@
           <a:p>
             <a:fld id="{D997B5FA-0921-464F-AAE1-844C04324D75}" type="datetimeFigureOut">
               <a:rPr lang="zh-CN" altLang="en-US" smtClean="0"/>
-              <a:t>2024/5/21</a:t>
+              <a:t>2024/5/22</a:t>
             </a:fld>
             <a:endParaRPr lang="zh-CN" altLang="en-US"/>
           </a:p>
@@ -7507,7 +7507,7 @@
           <a:p>
             <a:fld id="{D997B5FA-0921-464F-AAE1-844C04324D75}" type="datetimeFigureOut">
               <a:rPr lang="zh-CN" altLang="en-US" smtClean="0"/>
-              <a:t>2024/5/21</a:t>
+              <a:t>2024/5/22</a:t>
             </a:fld>
             <a:endParaRPr lang="zh-CN" altLang="en-US"/>
           </a:p>
@@ -7619,7 +7619,7 @@
           <a:p>
             <a:fld id="{D997B5FA-0921-464F-AAE1-844C04324D75}" type="datetimeFigureOut">
               <a:rPr lang="zh-CN" altLang="en-US" smtClean="0"/>
-              <a:t>2024/5/21</a:t>
+              <a:t>2024/5/22</a:t>
             </a:fld>
             <a:endParaRPr lang="zh-CN" altLang="en-US"/>
           </a:p>
@@ -7709,7 +7709,7 @@
           <a:p>
             <a:fld id="{D997B5FA-0921-464F-AAE1-844C04324D75}" type="datetimeFigureOut">
               <a:rPr lang="zh-CN" altLang="en-US" smtClean="0"/>
-              <a:t>2024/5/21</a:t>
+              <a:t>2024/5/22</a:t>
             </a:fld>
             <a:endParaRPr lang="zh-CN" altLang="en-US"/>
           </a:p>
@@ -7979,7 +7979,7 @@
           <a:p>
             <a:fld id="{D997B5FA-0921-464F-AAE1-844C04324D75}" type="datetimeFigureOut">
               <a:rPr lang="zh-CN" altLang="en-US" smtClean="0"/>
-              <a:t>2024/5/21</a:t>
+              <a:t>2024/5/22</a:t>
             </a:fld>
             <a:endParaRPr lang="zh-CN" altLang="en-US"/>
           </a:p>
@@ -8226,7 +8226,7 @@
           <a:p>
             <a:fld id="{D997B5FA-0921-464F-AAE1-844C04324D75}" type="datetimeFigureOut">
               <a:rPr lang="zh-CN" altLang="en-US" smtClean="0"/>
-              <a:t>2024/5/21</a:t>
+              <a:t>2024/5/22</a:t>
             </a:fld>
             <a:endParaRPr lang="zh-CN" altLang="en-US"/>
           </a:p>
@@ -8432,7 +8432,7 @@
           <a:p>
             <a:fld id="{D997B5FA-0921-464F-AAE1-844C04324D75}" type="datetimeFigureOut">
               <a:rPr lang="zh-CN" altLang="en-US" smtClean="0"/>
-              <a:t>2024/5/21</a:t>
+              <a:t>2024/5/22</a:t>
             </a:fld>
             <a:endParaRPr lang="zh-CN" altLang="en-US"/>
           </a:p>
@@ -8965,7 +8965,7 @@
           <a:p>
             <a:fld id="{A65D00E9-157A-4A61-BFCD-9C38DE4BB4A6}" type="datetimeFigureOut">
               <a:rPr lang="zh-CN" altLang="en-US" smtClean="0"/>
-              <a:t>2024/5/21</a:t>
+              <a:t>2024/5/22</a:t>
             </a:fld>
             <a:endParaRPr lang="zh-CN" altLang="en-US"/>
           </a:p>
@@ -9498,7 +9498,7 @@
           <a:p>
             <a:fld id="{B3B5A39F-3B31-4031-BD86-5074D61E1D63}" type="datetimeFigureOut">
               <a:rPr lang="zh-CN" altLang="en-US" smtClean="0"/>
-              <a:t>2024/5/21</a:t>
+              <a:t>2024/5/22</a:t>
             </a:fld>
             <a:endParaRPr lang="zh-CN" altLang="en-US"/>
           </a:p>
@@ -14229,7 +14229,7 @@
         <p:spPr>
           <a:xfrm>
             <a:off x="799214" y="986971"/>
-            <a:ext cx="10593572" cy="5040226"/>
+            <a:ext cx="10593572" cy="5363391"/>
           </a:xfrm>
           <a:prstGeom prst="rect">
             <a:avLst/>
@@ -14307,7 +14307,63 @@
                 <a:latin typeface="微软雅黑" panose="020B0503020204020204" pitchFamily="34" charset="-122"/>
                 <a:ea typeface="微软雅黑" panose="020B0503020204020204" pitchFamily="34" charset="-122"/>
               </a:rPr>
-              <a:t>Springboot</a:t>
+              <a:t>Springboot </a:t>
+            </a:r>
+            <a:r>
+              <a:rPr lang="zh-CN" altLang="en-US" sz="1400" dirty="0">
+                <a:solidFill>
+                  <a:schemeClr val="bg1"/>
+                </a:solidFill>
+                <a:latin typeface="微软雅黑" panose="020B0503020204020204" pitchFamily="34" charset="-122"/>
+                <a:ea typeface="微软雅黑" panose="020B0503020204020204" pitchFamily="34" charset="-122"/>
+              </a:rPr>
+              <a:t>基础知识</a:t>
+            </a:r>
+            <a:endParaRPr lang="en-US" altLang="zh-CN" sz="1400" dirty="0">
+              <a:solidFill>
+                <a:schemeClr val="bg1"/>
+              </a:solidFill>
+              <a:latin typeface="微软雅黑" panose="020B0503020204020204" pitchFamily="34" charset="-122"/>
+              <a:ea typeface="微软雅黑" panose="020B0503020204020204" pitchFamily="34" charset="-122"/>
+            </a:endParaRPr>
+          </a:p>
+          <a:p>
+            <a:pPr marL="285750" indent="-285750">
+              <a:lnSpc>
+                <a:spcPct val="150000"/>
+              </a:lnSpc>
+              <a:buFontTx/>
+              <a:buChar char="-"/>
+            </a:pPr>
+            <a:r>
+              <a:rPr lang="en-US" altLang="zh-CN" sz="1400" dirty="0">
+                <a:solidFill>
+                  <a:schemeClr val="bg1"/>
+                </a:solidFill>
+                <a:latin typeface="微软雅黑" panose="020B0503020204020204" pitchFamily="34" charset="-122"/>
+                <a:ea typeface="微软雅黑" panose="020B0503020204020204" pitchFamily="34" charset="-122"/>
+              </a:rPr>
+              <a:t>Vue </a:t>
+            </a:r>
+            <a:r>
+              <a:rPr lang="zh-CN" altLang="en-US" sz="1400" dirty="0">
+                <a:solidFill>
+                  <a:schemeClr val="bg1"/>
+                </a:solidFill>
+                <a:latin typeface="微软雅黑" panose="020B0503020204020204" pitchFamily="34" charset="-122"/>
+                <a:ea typeface="微软雅黑" panose="020B0503020204020204" pitchFamily="34" charset="-122"/>
+              </a:rPr>
+              <a:t>和 </a:t>
+            </a:r>
+            <a:r>
+              <a:rPr lang="en-US" altLang="zh-CN" sz="1400" dirty="0">
+                <a:solidFill>
+                  <a:schemeClr val="bg1"/>
+                </a:solidFill>
+                <a:latin typeface="微软雅黑" panose="020B0503020204020204" pitchFamily="34" charset="-122"/>
+                <a:ea typeface="微软雅黑" panose="020B0503020204020204" pitchFamily="34" charset="-122"/>
+              </a:rPr>
+              <a:t>Axios </a:t>
             </a:r>
             <a:r>
               <a:rPr lang="zh-CN" altLang="en-US" sz="1400" dirty="0">
@@ -15243,7 +15299,7 @@
         <p:spPr>
           <a:xfrm>
             <a:off x="1352107" y="1305948"/>
-            <a:ext cx="10593572" cy="2951898"/>
+            <a:ext cx="10593572" cy="4198393"/>
           </a:xfrm>
           <a:prstGeom prst="rect">
             <a:avLst/>
@@ -15255,6 +15311,84 @@
             <a:spAutoFit/>
           </a:bodyPr>
           <a:lstStyle/>
+          <a:p>
+            <a:pPr marL="285750" indent="-285750">
+              <a:lnSpc>
+                <a:spcPct val="150000"/>
+              </a:lnSpc>
+              <a:buFontTx/>
+              <a:buChar char="-"/>
+            </a:pPr>
+            <a:r>
+              <a:rPr lang="zh-CN" altLang="en-US" dirty="0">
+                <a:solidFill>
+                  <a:schemeClr val="bg1"/>
+                </a:solidFill>
+                <a:latin typeface="微软雅黑" panose="020B0503020204020204" pitchFamily="34" charset="-122"/>
+                <a:ea typeface="微软雅黑" panose="020B0503020204020204" pitchFamily="34" charset="-122"/>
+              </a:rPr>
+              <a:t>表单发布与填写</a:t>
+            </a:r>
+            <a:endParaRPr lang="en-US" altLang="zh-CN" dirty="0">
+              <a:solidFill>
+                <a:schemeClr val="bg1"/>
+              </a:solidFill>
+              <a:latin typeface="微软雅黑" panose="020B0503020204020204" pitchFamily="34" charset="-122"/>
+              <a:ea typeface="微软雅黑" panose="020B0503020204020204" pitchFamily="34" charset="-122"/>
+            </a:endParaRPr>
+          </a:p>
+          <a:p>
+            <a:pPr marL="285750" indent="-285750">
+              <a:lnSpc>
+                <a:spcPct val="150000"/>
+              </a:lnSpc>
+              <a:buFontTx/>
+              <a:buChar char="-"/>
+            </a:pPr>
+            <a:r>
+              <a:rPr lang="zh-CN" altLang="en-US" dirty="0">
+                <a:solidFill>
+                  <a:schemeClr val="bg1"/>
+                </a:solidFill>
+                <a:latin typeface="微软雅黑" panose="020B0503020204020204" pitchFamily="34" charset="-122"/>
+                <a:ea typeface="微软雅黑" panose="020B0503020204020204" pitchFamily="34" charset="-122"/>
+              </a:rPr>
+              <a:t>管理员权限分级</a:t>
+            </a:r>
+            <a:endParaRPr lang="en-US" altLang="zh-CN" dirty="0">
+              <a:solidFill>
+                <a:schemeClr val="bg1"/>
+              </a:solidFill>
+              <a:latin typeface="微软雅黑" panose="020B0503020204020204" pitchFamily="34" charset="-122"/>
+              <a:ea typeface="微软雅黑" panose="020B0503020204020204" pitchFamily="34" charset="-122"/>
+            </a:endParaRPr>
+          </a:p>
+          <a:p>
+            <a:pPr marL="285750" indent="-285750">
+              <a:lnSpc>
+                <a:spcPct val="150000"/>
+              </a:lnSpc>
+              <a:buFontTx/>
+              <a:buChar char="-"/>
+            </a:pPr>
+            <a:r>
+              <a:rPr lang="zh-CN" altLang="en-US" dirty="0">
+                <a:solidFill>
+                  <a:schemeClr val="bg1"/>
+                </a:solidFill>
+                <a:latin typeface="微软雅黑" panose="020B0503020204020204" pitchFamily="34" charset="-122"/>
+                <a:ea typeface="微软雅黑" panose="020B0503020204020204" pitchFamily="34" charset="-122"/>
+              </a:rPr>
+              <a:t>多格式文件上传</a:t>
+            </a:r>
+            <a:endParaRPr lang="en-US" altLang="zh-CN" dirty="0">
+              <a:solidFill>
+                <a:schemeClr val="bg1"/>
+              </a:solidFill>
+              <a:latin typeface="微软雅黑" panose="020B0503020204020204" pitchFamily="34" charset="-122"/>
+              <a:ea typeface="微软雅黑" panose="020B0503020204020204" pitchFamily="34" charset="-122"/>
+            </a:endParaRPr>
+          </a:p>
           <a:p>
             <a:pPr marL="285750" indent="-285750">
               <a:lnSpc>
@@ -18499,7 +18633,7 @@
           <p:nvPr>
             <p:extLst>
               <p:ext uri="{D42A27DB-BD31-4B8C-83A1-F6EECF244321}">
-                <p14:modId xmlns:p14="http://schemas.microsoft.com/office/powerpoint/2010/main" val="2029027118"/>
+                <p14:modId xmlns:p14="http://schemas.microsoft.com/office/powerpoint/2010/main" val="818311656"/>
               </p:ext>
             </p:extLst>
           </p:nvPr>
@@ -19507,7 +19641,7 @@
                             <a:schemeClr val="bg1"/>
                           </a:solidFill>
                         </a:rPr>
-                        <a:t>2.45</a:t>
+                        <a:t>2.4</a:t>
                       </a:r>
                       <a:endParaRPr lang="zh-CN" altLang="en-US" sz="1600" dirty="0">
                         <a:solidFill>
@@ -20947,7 +21081,7 @@
         <p:spPr>
           <a:xfrm>
             <a:off x="4800890" y="1297781"/>
-            <a:ext cx="2590219" cy="3465179"/>
+            <a:ext cx="2590219" cy="3834511"/>
           </a:xfrm>
           <a:prstGeom prst="rect">
             <a:avLst/>
@@ -20973,7 +21107,7 @@
                 <a:latin typeface="微软雅黑" panose="020B0503020204020204" pitchFamily="34" charset="-122"/>
                 <a:ea typeface="微软雅黑" panose="020B0503020204020204" pitchFamily="34" charset="-122"/>
               </a:rPr>
-              <a:t>Week 11 12 13 14 15 </a:t>
+              <a:t>Week 12 13 14 15 </a:t>
             </a:r>
           </a:p>
           <a:p>
@@ -21024,7 +21158,7 @@
                 <a:latin typeface="微软雅黑" panose="020B0503020204020204" pitchFamily="34" charset="-122"/>
                 <a:ea typeface="微软雅黑" panose="020B0503020204020204" pitchFamily="34" charset="-122"/>
               </a:rPr>
-              <a:t>单元测试 开发 本地部署</a:t>
+              <a:t>单元测试 开发</a:t>
             </a:r>
             <a:endParaRPr lang="en-US" altLang="zh-CN" sz="1600" dirty="0">
               <a:solidFill>
@@ -21120,6 +21254,30 @@
                 <a:latin typeface="微软雅黑" panose="020B0503020204020204" pitchFamily="34" charset="-122"/>
                 <a:ea typeface="微软雅黑" panose="020B0503020204020204" pitchFamily="34" charset="-122"/>
               </a:rPr>
+              <a:t>本地部署</a:t>
+            </a:r>
+            <a:endParaRPr lang="en-US" altLang="zh-CN" sz="1600" dirty="0">
+              <a:solidFill>
+                <a:schemeClr val="bg1"/>
+              </a:solidFill>
+              <a:latin typeface="微软雅黑" panose="020B0503020204020204" pitchFamily="34" charset="-122"/>
+              <a:ea typeface="微软雅黑" panose="020B0503020204020204" pitchFamily="34" charset="-122"/>
+            </a:endParaRPr>
+          </a:p>
+          <a:p>
+            <a:pPr>
+              <a:lnSpc>
+                <a:spcPct val="150000"/>
+              </a:lnSpc>
+            </a:pPr>
+            <a:r>
+              <a:rPr lang="zh-CN" altLang="en-US" sz="1600" dirty="0">
+                <a:solidFill>
+                  <a:schemeClr val="bg1"/>
+                </a:solidFill>
+                <a:latin typeface="微软雅黑" panose="020B0503020204020204" pitchFamily="34" charset="-122"/>
+                <a:ea typeface="微软雅黑" panose="020B0503020204020204" pitchFamily="34" charset="-122"/>
+              </a:rPr>
               <a:t>云服务</a:t>
             </a:r>
             <a:endParaRPr lang="en-US" altLang="zh-CN" sz="1600" dirty="0">
@@ -21374,7 +21532,7 @@
         <p:spPr>
           <a:xfrm>
             <a:off x="8265847" y="1297781"/>
-            <a:ext cx="2524439" cy="3095847"/>
+            <a:ext cx="2524439" cy="3834511"/>
           </a:xfrm>
           <a:prstGeom prst="rect">
             <a:avLst/>
@@ -21453,6 +21611,13 @@
               </a:rPr>
               <a:t>最终部署 维护</a:t>
             </a:r>
+            <a:endParaRPr lang="en-US" altLang="zh-CN" sz="1600" dirty="0">
+              <a:solidFill>
+                <a:schemeClr val="bg1"/>
+              </a:solidFill>
+              <a:latin typeface="微软雅黑" panose="020B0503020204020204" pitchFamily="34" charset="-122"/>
+              <a:ea typeface="微软雅黑" panose="020B0503020204020204" pitchFamily="34" charset="-122"/>
+            </a:endParaRPr>
           </a:p>
           <a:p>
             <a:pPr>
@@ -21460,16 +21625,13 @@
                 <a:spcPct val="150000"/>
               </a:lnSpc>
             </a:pPr>
-            <a:r>
-              <a:rPr lang="zh-CN" altLang="en-US" sz="1600" dirty="0">
-                <a:solidFill>
-                  <a:schemeClr val="bg1"/>
-                </a:solidFill>
-                <a:latin typeface="微软雅黑" panose="020B0503020204020204" pitchFamily="34" charset="-122"/>
-                <a:ea typeface="微软雅黑" panose="020B0503020204020204" pitchFamily="34" charset="-122"/>
-              </a:rPr>
-              <a:t>文档整理</a:t>
-            </a:r>
+            <a:endParaRPr lang="zh-CN" altLang="en-US" sz="1600" dirty="0">
+              <a:solidFill>
+                <a:schemeClr val="bg1"/>
+              </a:solidFill>
+              <a:latin typeface="微软雅黑" panose="020B0503020204020204" pitchFamily="34" charset="-122"/>
+              <a:ea typeface="微软雅黑" panose="020B0503020204020204" pitchFamily="34" charset="-122"/>
+            </a:endParaRPr>
           </a:p>
           <a:p>
             <a:pPr>
@@ -21485,6 +21647,23 @@
                 <a:latin typeface="微软雅黑" panose="020B0503020204020204" pitchFamily="34" charset="-122"/>
                 <a:ea typeface="微软雅黑" panose="020B0503020204020204" pitchFamily="34" charset="-122"/>
               </a:rPr>
+              <a:t>文档整理</a:t>
+            </a:r>
+          </a:p>
+          <a:p>
+            <a:pPr>
+              <a:lnSpc>
+                <a:spcPct val="150000"/>
+              </a:lnSpc>
+            </a:pPr>
+            <a:r>
+              <a:rPr lang="zh-CN" altLang="en-US" sz="1600" dirty="0">
+                <a:solidFill>
+                  <a:schemeClr val="bg1"/>
+                </a:solidFill>
+                <a:latin typeface="微软雅黑" panose="020B0503020204020204" pitchFamily="34" charset="-122"/>
+                <a:ea typeface="微软雅黑" panose="020B0503020204020204" pitchFamily="34" charset="-122"/>
+              </a:rPr>
               <a:t>演示汇报 </a:t>
             </a:r>
             <a:r>
@@ -21497,6 +21676,20 @@
               </a:rPr>
               <a:t>PPT 15min </a:t>
             </a:r>
+          </a:p>
+          <a:p>
+            <a:pPr>
+              <a:lnSpc>
+                <a:spcPct val="150000"/>
+              </a:lnSpc>
+            </a:pPr>
+            <a:endParaRPr lang="en-US" altLang="zh-CN" sz="1600" dirty="0">
+              <a:solidFill>
+                <a:schemeClr val="bg1"/>
+              </a:solidFill>
+              <a:latin typeface="微软雅黑" panose="020B0503020204020204" pitchFamily="34" charset="-122"/>
+              <a:ea typeface="微软雅黑" panose="020B0503020204020204" pitchFamily="34" charset="-122"/>
+            </a:endParaRPr>
           </a:p>
           <a:p>
             <a:pPr>
